--- a/documentation/final/final_project.pptx
+++ b/documentation/final/final_project.pptx
@@ -6,13 +6,14 @@
   </p:sldMasterIdLst>
   <p:sldIdLst>
     <p:sldId id="256" r:id="rId2"/>
-    <p:sldId id="271" r:id="rId3"/>
-    <p:sldId id="269" r:id="rId4"/>
-    <p:sldId id="257" r:id="rId5"/>
-    <p:sldId id="273" r:id="rId6"/>
-    <p:sldId id="275" r:id="rId7"/>
-    <p:sldId id="277" r:id="rId8"/>
-    <p:sldId id="268" r:id="rId9"/>
+    <p:sldId id="278" r:id="rId3"/>
+    <p:sldId id="271" r:id="rId4"/>
+    <p:sldId id="269" r:id="rId5"/>
+    <p:sldId id="257" r:id="rId6"/>
+    <p:sldId id="273" r:id="rId7"/>
+    <p:sldId id="275" r:id="rId8"/>
+    <p:sldId id="277" r:id="rId9"/>
+    <p:sldId id="268" r:id="rId10"/>
   </p:sldIdLst>
   <p:sldSz cx="12192000" cy="6858000"/>
   <p:notesSz cx="6858000" cy="9144000"/>
@@ -173,7 +174,7 @@
           <a:noFill/>
           <a:extLst>
             <a:ext uri="{909E8E84-426E-40dd-AFC4-6F175D3DCCD1}">
-              <a14:hiddenFill xmlns:a14="http://schemas.microsoft.com/office/drawing/2010/main" xmlns="">
+              <a14:hiddenFill xmlns="" xmlns:a14="http://schemas.microsoft.com/office/drawing/2010/main">
                 <a:solidFill>
                   <a:srgbClr val="FFFFFF"/>
                 </a:solidFill>
@@ -233,7 +234,7 @@
             </a:ln>
             <a:extLst>
               <a:ext uri="{91240B29-F687-4f45-9708-019B960494DF}">
-                <a14:hiddenLine xmlns:a14="http://schemas.microsoft.com/office/drawing/2010/main" xmlns="" w="9525">
+                <a14:hiddenLine xmlns="" xmlns:a14="http://schemas.microsoft.com/office/drawing/2010/main" w="9525">
                   <a:solidFill>
                     <a:srgbClr val="000000"/>
                   </a:solidFill>
@@ -323,7 +324,7 @@
             </a:ln>
             <a:extLst>
               <a:ext uri="{91240B29-F687-4f45-9708-019B960494DF}">
-                <a14:hiddenLine xmlns:a14="http://schemas.microsoft.com/office/drawing/2010/main" xmlns="" w="9525">
+                <a14:hiddenLine xmlns="" xmlns:a14="http://schemas.microsoft.com/office/drawing/2010/main" w="9525">
                   <a:solidFill>
                     <a:srgbClr val="000000"/>
                   </a:solidFill>
@@ -413,7 +414,7 @@
             </a:ln>
             <a:extLst>
               <a:ext uri="{91240B29-F687-4f45-9708-019B960494DF}">
-                <a14:hiddenLine xmlns:a14="http://schemas.microsoft.com/office/drawing/2010/main" xmlns="" w="9525">
+                <a14:hiddenLine xmlns="" xmlns:a14="http://schemas.microsoft.com/office/drawing/2010/main" w="9525">
                   <a:solidFill>
                     <a:srgbClr val="000000"/>
                   </a:solidFill>
@@ -447,7 +448,7 @@
             </a:ln>
             <a:extLst>
               <a:ext uri="{91240B29-F687-4f45-9708-019B960494DF}">
-                <a14:hiddenLine xmlns:a14="http://schemas.microsoft.com/office/drawing/2010/main" xmlns="" w="9525">
+                <a14:hiddenLine xmlns="" xmlns:a14="http://schemas.microsoft.com/office/drawing/2010/main" w="9525">
                   <a:solidFill>
                     <a:srgbClr val="000000"/>
                   </a:solidFill>
@@ -537,7 +538,7 @@
             </a:ln>
             <a:extLst>
               <a:ext uri="{91240B29-F687-4f45-9708-019B960494DF}">
-                <a14:hiddenLine xmlns:a14="http://schemas.microsoft.com/office/drawing/2010/main" xmlns="" w="9525">
+                <a14:hiddenLine xmlns="" xmlns:a14="http://schemas.microsoft.com/office/drawing/2010/main" w="9525">
                   <a:solidFill>
                     <a:srgbClr val="000000"/>
                   </a:solidFill>
@@ -599,7 +600,7 @@
             </a:ln>
             <a:extLst>
               <a:ext uri="{91240B29-F687-4f45-9708-019B960494DF}">
-                <a14:hiddenLine xmlns:a14="http://schemas.microsoft.com/office/drawing/2010/main" xmlns="" w="9525">
+                <a14:hiddenLine xmlns="" xmlns:a14="http://schemas.microsoft.com/office/drawing/2010/main" w="9525">
                   <a:solidFill>
                     <a:srgbClr val="000000"/>
                   </a:solidFill>
@@ -661,7 +662,7 @@
             </a:ln>
             <a:extLst>
               <a:ext uri="{91240B29-F687-4f45-9708-019B960494DF}">
-                <a14:hiddenLine xmlns:a14="http://schemas.microsoft.com/office/drawing/2010/main" xmlns="" w="9525">
+                <a14:hiddenLine xmlns="" xmlns:a14="http://schemas.microsoft.com/office/drawing/2010/main" w="9525">
                   <a:solidFill>
                     <a:srgbClr val="000000"/>
                   </a:solidFill>
@@ -751,7 +752,7 @@
             </a:ln>
             <a:extLst>
               <a:ext uri="{91240B29-F687-4f45-9708-019B960494DF}">
-                <a14:hiddenLine xmlns:a14="http://schemas.microsoft.com/office/drawing/2010/main" xmlns="" w="9525">
+                <a14:hiddenLine xmlns="" xmlns:a14="http://schemas.microsoft.com/office/drawing/2010/main" w="9525">
                   <a:solidFill>
                     <a:srgbClr val="000000"/>
                   </a:solidFill>
@@ -813,7 +814,7 @@
             </a:ln>
             <a:extLst>
               <a:ext uri="{91240B29-F687-4f45-9708-019B960494DF}">
-                <a14:hiddenLine xmlns:a14="http://schemas.microsoft.com/office/drawing/2010/main" xmlns="" w="9525">
+                <a14:hiddenLine xmlns="" xmlns:a14="http://schemas.microsoft.com/office/drawing/2010/main" w="9525">
                   <a:solidFill>
                     <a:srgbClr val="000000"/>
                   </a:solidFill>
@@ -875,7 +876,7 @@
             </a:ln>
             <a:extLst>
               <a:ext uri="{91240B29-F687-4f45-9708-019B960494DF}">
-                <a14:hiddenLine xmlns:a14="http://schemas.microsoft.com/office/drawing/2010/main" xmlns="" w="9525">
+                <a14:hiddenLine xmlns="" xmlns:a14="http://schemas.microsoft.com/office/drawing/2010/main" w="9525">
                   <a:solidFill>
                     <a:srgbClr val="000000"/>
                   </a:solidFill>
@@ -965,7 +966,7 @@
             </a:ln>
             <a:extLst>
               <a:ext uri="{91240B29-F687-4f45-9708-019B960494DF}">
-                <a14:hiddenLine xmlns:a14="http://schemas.microsoft.com/office/drawing/2010/main" xmlns="" w="9525">
+                <a14:hiddenLine xmlns="" xmlns:a14="http://schemas.microsoft.com/office/drawing/2010/main" w="9525">
                   <a:solidFill>
                     <a:srgbClr val="000000"/>
                   </a:solidFill>
@@ -1055,7 +1056,7 @@
             </a:ln>
             <a:extLst>
               <a:ext uri="{91240B29-F687-4f45-9708-019B960494DF}">
-                <a14:hiddenLine xmlns:a14="http://schemas.microsoft.com/office/drawing/2010/main" xmlns="" w="9525">
+                <a14:hiddenLine xmlns="" xmlns:a14="http://schemas.microsoft.com/office/drawing/2010/main" w="9525">
                   <a:solidFill>
                     <a:srgbClr val="000000"/>
                   </a:solidFill>
@@ -1117,7 +1118,7 @@
             </a:ln>
             <a:extLst>
               <a:ext uri="{91240B29-F687-4f45-9708-019B960494DF}">
-                <a14:hiddenLine xmlns:a14="http://schemas.microsoft.com/office/drawing/2010/main" xmlns="" w="9525">
+                <a14:hiddenLine xmlns="" xmlns:a14="http://schemas.microsoft.com/office/drawing/2010/main" w="9525">
                   <a:solidFill>
                     <a:srgbClr val="000000"/>
                   </a:solidFill>
@@ -1227,7 +1228,7 @@
             </a:ln>
             <a:extLst>
               <a:ext uri="{91240B29-F687-4f45-9708-019B960494DF}">
-                <a14:hiddenLine xmlns:a14="http://schemas.microsoft.com/office/drawing/2010/main" xmlns="" w="9525">
+                <a14:hiddenLine xmlns="" xmlns:a14="http://schemas.microsoft.com/office/drawing/2010/main" w="9525">
                   <a:solidFill>
                     <a:srgbClr val="000000"/>
                   </a:solidFill>
@@ -1289,7 +1290,7 @@
             </a:ln>
             <a:extLst>
               <a:ext uri="{91240B29-F687-4f45-9708-019B960494DF}">
-                <a14:hiddenLine xmlns:a14="http://schemas.microsoft.com/office/drawing/2010/main" xmlns="" w="9525">
+                <a14:hiddenLine xmlns="" xmlns:a14="http://schemas.microsoft.com/office/drawing/2010/main" w="9525">
                   <a:solidFill>
                     <a:srgbClr val="000000"/>
                   </a:solidFill>
@@ -1379,7 +1380,7 @@
             </a:ln>
             <a:extLst>
               <a:ext uri="{91240B29-F687-4f45-9708-019B960494DF}">
-                <a14:hiddenLine xmlns:a14="http://schemas.microsoft.com/office/drawing/2010/main" xmlns="" w="9525">
+                <a14:hiddenLine xmlns="" xmlns:a14="http://schemas.microsoft.com/office/drawing/2010/main" w="9525">
                   <a:solidFill>
                     <a:srgbClr val="000000"/>
                   </a:solidFill>
@@ -1469,7 +1470,7 @@
             </a:ln>
             <a:extLst>
               <a:ext uri="{91240B29-F687-4f45-9708-019B960494DF}">
-                <a14:hiddenLine xmlns:a14="http://schemas.microsoft.com/office/drawing/2010/main" xmlns="" w="9525">
+                <a14:hiddenLine xmlns="" xmlns:a14="http://schemas.microsoft.com/office/drawing/2010/main" w="9525">
                   <a:solidFill>
                     <a:srgbClr val="000000"/>
                   </a:solidFill>
@@ -1531,7 +1532,7 @@
             </a:ln>
             <a:extLst>
               <a:ext uri="{91240B29-F687-4f45-9708-019B960494DF}">
-                <a14:hiddenLine xmlns:a14="http://schemas.microsoft.com/office/drawing/2010/main" xmlns="" w="9525">
+                <a14:hiddenLine xmlns="" xmlns:a14="http://schemas.microsoft.com/office/drawing/2010/main" w="9525">
                   <a:solidFill>
                     <a:srgbClr val="000000"/>
                   </a:solidFill>
@@ -1621,7 +1622,7 @@
             </a:ln>
             <a:extLst>
               <a:ext uri="{91240B29-F687-4f45-9708-019B960494DF}">
-                <a14:hiddenLine xmlns:a14="http://schemas.microsoft.com/office/drawing/2010/main" xmlns="" w="9525">
+                <a14:hiddenLine xmlns="" xmlns:a14="http://schemas.microsoft.com/office/drawing/2010/main" w="9525">
                   <a:solidFill>
                     <a:srgbClr val="000000"/>
                   </a:solidFill>
@@ -1711,7 +1712,7 @@
             </a:ln>
             <a:extLst>
               <a:ext uri="{91240B29-F687-4f45-9708-019B960494DF}">
-                <a14:hiddenLine xmlns:a14="http://schemas.microsoft.com/office/drawing/2010/main" xmlns="" w="9525">
+                <a14:hiddenLine xmlns="" xmlns:a14="http://schemas.microsoft.com/office/drawing/2010/main" w="9525">
                   <a:solidFill>
                     <a:srgbClr val="000000"/>
                   </a:solidFill>
@@ -1767,7 +1768,7 @@
             </a:ln>
             <a:extLst>
               <a:ext uri="{91240B29-F687-4f45-9708-019B960494DF}">
-                <a14:hiddenLine xmlns:a14="http://schemas.microsoft.com/office/drawing/2010/main" xmlns="" w="9525">
+                <a14:hiddenLine xmlns="" xmlns:a14="http://schemas.microsoft.com/office/drawing/2010/main" w="9525">
                   <a:solidFill>
                     <a:srgbClr val="000000"/>
                   </a:solidFill>
@@ -1857,7 +1858,7 @@
             </a:ln>
             <a:extLst>
               <a:ext uri="{91240B29-F687-4f45-9708-019B960494DF}">
-                <a14:hiddenLine xmlns:a14="http://schemas.microsoft.com/office/drawing/2010/main" xmlns="" w="9525">
+                <a14:hiddenLine xmlns="" xmlns:a14="http://schemas.microsoft.com/office/drawing/2010/main" w="9525">
                   <a:solidFill>
                     <a:srgbClr val="000000"/>
                   </a:solidFill>
@@ -1913,7 +1914,7 @@
             </a:ln>
             <a:extLst>
               <a:ext uri="{91240B29-F687-4f45-9708-019B960494DF}">
-                <a14:hiddenLine xmlns:a14="http://schemas.microsoft.com/office/drawing/2010/main" xmlns="" w="9525">
+                <a14:hiddenLine xmlns="" xmlns:a14="http://schemas.microsoft.com/office/drawing/2010/main" w="9525">
                   <a:solidFill>
                     <a:srgbClr val="000000"/>
                   </a:solidFill>
@@ -2003,7 +2004,7 @@
             </a:ln>
             <a:extLst>
               <a:ext uri="{91240B29-F687-4f45-9708-019B960494DF}">
-                <a14:hiddenLine xmlns:a14="http://schemas.microsoft.com/office/drawing/2010/main" xmlns="" w="9525">
+                <a14:hiddenLine xmlns="" xmlns:a14="http://schemas.microsoft.com/office/drawing/2010/main" w="9525">
                   <a:solidFill>
                     <a:srgbClr val="000000"/>
                   </a:solidFill>
@@ -2071,7 +2072,7 @@
             </a:ln>
             <a:extLst>
               <a:ext uri="{91240B29-F687-4f45-9708-019B960494DF}">
-                <a14:hiddenLine xmlns:a14="http://schemas.microsoft.com/office/drawing/2010/main" xmlns="" w="9525">
+                <a14:hiddenLine xmlns="" xmlns:a14="http://schemas.microsoft.com/office/drawing/2010/main" w="9525">
                   <a:solidFill>
                     <a:srgbClr val="000000"/>
                   </a:solidFill>
@@ -2161,7 +2162,7 @@
             </a:ln>
             <a:extLst>
               <a:ext uri="{91240B29-F687-4f45-9708-019B960494DF}">
-                <a14:hiddenLine xmlns:a14="http://schemas.microsoft.com/office/drawing/2010/main" xmlns="" w="9525">
+                <a14:hiddenLine xmlns="" xmlns:a14="http://schemas.microsoft.com/office/drawing/2010/main" w="9525">
                   <a:solidFill>
                     <a:srgbClr val="000000"/>
                   </a:solidFill>
@@ -2229,7 +2230,7 @@
             </a:ln>
             <a:extLst>
               <a:ext uri="{91240B29-F687-4f45-9708-019B960494DF}">
-                <a14:hiddenLine xmlns:a14="http://schemas.microsoft.com/office/drawing/2010/main" xmlns="" w="9525">
+                <a14:hiddenLine xmlns="" xmlns:a14="http://schemas.microsoft.com/office/drawing/2010/main" w="9525">
                   <a:solidFill>
                     <a:srgbClr val="000000"/>
                   </a:solidFill>
@@ -2319,7 +2320,7 @@
             </a:ln>
             <a:extLst>
               <a:ext uri="{91240B29-F687-4f45-9708-019B960494DF}">
-                <a14:hiddenLine xmlns:a14="http://schemas.microsoft.com/office/drawing/2010/main" xmlns="" w="9525">
+                <a14:hiddenLine xmlns="" xmlns:a14="http://schemas.microsoft.com/office/drawing/2010/main" w="9525">
                   <a:solidFill>
                     <a:srgbClr val="000000"/>
                   </a:solidFill>
@@ -2353,7 +2354,7 @@
             </a:ln>
             <a:extLst>
               <a:ext uri="{91240B29-F687-4f45-9708-019B960494DF}">
-                <a14:hiddenLine xmlns:a14="http://schemas.microsoft.com/office/drawing/2010/main" xmlns="" w="9525">
+                <a14:hiddenLine xmlns="" xmlns:a14="http://schemas.microsoft.com/office/drawing/2010/main" w="9525">
                   <a:solidFill>
                     <a:srgbClr val="000000"/>
                   </a:solidFill>
@@ -2443,7 +2444,7 @@
             </a:ln>
             <a:extLst>
               <a:ext uri="{91240B29-F687-4f45-9708-019B960494DF}">
-                <a14:hiddenLine xmlns:a14="http://schemas.microsoft.com/office/drawing/2010/main" xmlns="" w="9525">
+                <a14:hiddenLine xmlns="" xmlns:a14="http://schemas.microsoft.com/office/drawing/2010/main" w="9525">
                   <a:solidFill>
                     <a:srgbClr val="000000"/>
                   </a:solidFill>
@@ -2505,7 +2506,7 @@
             </a:ln>
             <a:extLst>
               <a:ext uri="{91240B29-F687-4f45-9708-019B960494DF}">
-                <a14:hiddenLine xmlns:a14="http://schemas.microsoft.com/office/drawing/2010/main" xmlns="" w="9525">
+                <a14:hiddenLine xmlns="" xmlns:a14="http://schemas.microsoft.com/office/drawing/2010/main" w="9525">
                   <a:solidFill>
                     <a:srgbClr val="000000"/>
                   </a:solidFill>
@@ -2567,7 +2568,7 @@
             </a:ln>
             <a:extLst>
               <a:ext uri="{91240B29-F687-4f45-9708-019B960494DF}">
-                <a14:hiddenLine xmlns:a14="http://schemas.microsoft.com/office/drawing/2010/main" xmlns="" w="9525">
+                <a14:hiddenLine xmlns="" xmlns:a14="http://schemas.microsoft.com/office/drawing/2010/main" w="9525">
                   <a:solidFill>
                     <a:srgbClr val="000000"/>
                   </a:solidFill>
@@ -2657,7 +2658,7 @@
             </a:ln>
             <a:extLst>
               <a:ext uri="{91240B29-F687-4f45-9708-019B960494DF}">
-                <a14:hiddenLine xmlns:a14="http://schemas.microsoft.com/office/drawing/2010/main" xmlns="" w="9525">
+                <a14:hiddenLine xmlns="" xmlns:a14="http://schemas.microsoft.com/office/drawing/2010/main" w="9525">
                   <a:solidFill>
                     <a:srgbClr val="000000"/>
                   </a:solidFill>
@@ -2725,7 +2726,7 @@
             </a:ln>
             <a:extLst>
               <a:ext uri="{91240B29-F687-4f45-9708-019B960494DF}">
-                <a14:hiddenLine xmlns:a14="http://schemas.microsoft.com/office/drawing/2010/main" xmlns="" w="9525">
+                <a14:hiddenLine xmlns="" xmlns:a14="http://schemas.microsoft.com/office/drawing/2010/main" w="9525">
                   <a:solidFill>
                     <a:srgbClr val="000000"/>
                   </a:solidFill>
@@ -2787,7 +2788,7 @@
             </a:ln>
             <a:extLst>
               <a:ext uri="{91240B29-F687-4f45-9708-019B960494DF}">
-                <a14:hiddenLine xmlns:a14="http://schemas.microsoft.com/office/drawing/2010/main" xmlns="" w="9525">
+                <a14:hiddenLine xmlns="" xmlns:a14="http://schemas.microsoft.com/office/drawing/2010/main" w="9525">
                   <a:solidFill>
                     <a:srgbClr val="000000"/>
                   </a:solidFill>
@@ -2877,7 +2878,7 @@
             </a:ln>
             <a:extLst>
               <a:ext uri="{91240B29-F687-4f45-9708-019B960494DF}">
-                <a14:hiddenLine xmlns:a14="http://schemas.microsoft.com/office/drawing/2010/main" xmlns="" w="9525">
+                <a14:hiddenLine xmlns="" xmlns:a14="http://schemas.microsoft.com/office/drawing/2010/main" w="9525">
                   <a:solidFill>
                     <a:srgbClr val="000000"/>
                   </a:solidFill>
@@ -2939,7 +2940,7 @@
             </a:ln>
             <a:extLst>
               <a:ext uri="{91240B29-F687-4f45-9708-019B960494DF}">
-                <a14:hiddenLine xmlns:a14="http://schemas.microsoft.com/office/drawing/2010/main" xmlns="" w="9525">
+                <a14:hiddenLine xmlns="" xmlns:a14="http://schemas.microsoft.com/office/drawing/2010/main" w="9525">
                   <a:solidFill>
                     <a:srgbClr val="000000"/>
                   </a:solidFill>
@@ -3029,7 +3030,7 @@
             </a:ln>
             <a:extLst>
               <a:ext uri="{91240B29-F687-4f45-9708-019B960494DF}">
-                <a14:hiddenLine xmlns:a14="http://schemas.microsoft.com/office/drawing/2010/main" xmlns="" w="9525">
+                <a14:hiddenLine xmlns="" xmlns:a14="http://schemas.microsoft.com/office/drawing/2010/main" w="9525">
                   <a:solidFill>
                     <a:srgbClr val="000000"/>
                   </a:solidFill>
@@ -3091,7 +3092,7 @@
             </a:ln>
             <a:extLst>
               <a:ext uri="{91240B29-F687-4f45-9708-019B960494DF}">
-                <a14:hiddenLine xmlns:a14="http://schemas.microsoft.com/office/drawing/2010/main" xmlns="" w="9525">
+                <a14:hiddenLine xmlns="" xmlns:a14="http://schemas.microsoft.com/office/drawing/2010/main" w="9525">
                   <a:solidFill>
                     <a:srgbClr val="000000"/>
                   </a:solidFill>
@@ -3181,7 +3182,7 @@
             </a:ln>
             <a:extLst>
               <a:ext uri="{91240B29-F687-4f45-9708-019B960494DF}">
-                <a14:hiddenLine xmlns:a14="http://schemas.microsoft.com/office/drawing/2010/main" xmlns="" w="9525">
+                <a14:hiddenLine xmlns="" xmlns:a14="http://schemas.microsoft.com/office/drawing/2010/main" w="9525">
                   <a:solidFill>
                     <a:srgbClr val="000000"/>
                   </a:solidFill>
@@ -3215,7 +3216,7 @@
             </a:ln>
             <a:extLst>
               <a:ext uri="{91240B29-F687-4f45-9708-019B960494DF}">
-                <a14:hiddenLine xmlns:a14="http://schemas.microsoft.com/office/drawing/2010/main" xmlns="" w="9525">
+                <a14:hiddenLine xmlns="" xmlns:a14="http://schemas.microsoft.com/office/drawing/2010/main" w="9525">
                   <a:solidFill>
                     <a:srgbClr val="000000"/>
                   </a:solidFill>
@@ -3280,7 +3281,7 @@
             </a:ln>
             <a:extLst>
               <a:ext uri="{91240B29-F687-4f45-9708-019B960494DF}">
-                <a14:hiddenLine xmlns:a14="http://schemas.microsoft.com/office/drawing/2010/main" xmlns="" w="9525">
+                <a14:hiddenLine xmlns="" xmlns:a14="http://schemas.microsoft.com/office/drawing/2010/main" w="9525">
                   <a:solidFill>
                     <a:srgbClr val="000000"/>
                   </a:solidFill>
@@ -3370,7 +3371,7 @@
             </a:ln>
             <a:extLst>
               <a:ext uri="{91240B29-F687-4f45-9708-019B960494DF}">
-                <a14:hiddenLine xmlns:a14="http://schemas.microsoft.com/office/drawing/2010/main" xmlns="" w="9525">
+                <a14:hiddenLine xmlns="" xmlns:a14="http://schemas.microsoft.com/office/drawing/2010/main" w="9525">
                   <a:solidFill>
                     <a:srgbClr val="000000"/>
                   </a:solidFill>
@@ -3432,7 +3433,7 @@
             </a:ln>
             <a:extLst>
               <a:ext uri="{91240B29-F687-4f45-9708-019B960494DF}">
-                <a14:hiddenLine xmlns:a14="http://schemas.microsoft.com/office/drawing/2010/main" xmlns="" w="9525">
+                <a14:hiddenLine xmlns="" xmlns:a14="http://schemas.microsoft.com/office/drawing/2010/main" w="9525">
                   <a:solidFill>
                     <a:srgbClr val="000000"/>
                   </a:solidFill>
@@ -3522,7 +3523,7 @@
             </a:ln>
             <a:extLst>
               <a:ext uri="{91240B29-F687-4f45-9708-019B960494DF}">
-                <a14:hiddenLine xmlns:a14="http://schemas.microsoft.com/office/drawing/2010/main" xmlns="" w="9525">
+                <a14:hiddenLine xmlns="" xmlns:a14="http://schemas.microsoft.com/office/drawing/2010/main" w="9525">
                   <a:solidFill>
                     <a:srgbClr val="000000"/>
                   </a:solidFill>
@@ -3612,7 +3613,7 @@
             </a:ln>
             <a:extLst>
               <a:ext uri="{91240B29-F687-4f45-9708-019B960494DF}">
-                <a14:hiddenLine xmlns:a14="http://schemas.microsoft.com/office/drawing/2010/main" xmlns="" w="9525">
+                <a14:hiddenLine xmlns="" xmlns:a14="http://schemas.microsoft.com/office/drawing/2010/main" w="9525">
                   <a:solidFill>
                     <a:srgbClr val="000000"/>
                   </a:solidFill>
@@ -3677,7 +3678,7 @@
             </a:ln>
             <a:extLst>
               <a:ext uri="{91240B29-F687-4f45-9708-019B960494DF}">
-                <a14:hiddenLine xmlns:a14="http://schemas.microsoft.com/office/drawing/2010/main" xmlns="" w="9525">
+                <a14:hiddenLine xmlns="" xmlns:a14="http://schemas.microsoft.com/office/drawing/2010/main" w="9525">
                   <a:solidFill>
                     <a:srgbClr val="000000"/>
                   </a:solidFill>
@@ -3739,7 +3740,7 @@
             </a:ln>
             <a:extLst>
               <a:ext uri="{91240B29-F687-4f45-9708-019B960494DF}">
-                <a14:hiddenLine xmlns:a14="http://schemas.microsoft.com/office/drawing/2010/main" xmlns="" w="9525">
+                <a14:hiddenLine xmlns="" xmlns:a14="http://schemas.microsoft.com/office/drawing/2010/main" w="9525">
                   <a:solidFill>
                     <a:srgbClr val="000000"/>
                   </a:solidFill>
@@ -3829,7 +3830,7 @@
             </a:ln>
             <a:extLst>
               <a:ext uri="{91240B29-F687-4f45-9708-019B960494DF}">
-                <a14:hiddenLine xmlns:a14="http://schemas.microsoft.com/office/drawing/2010/main" xmlns="" w="9525">
+                <a14:hiddenLine xmlns="" xmlns:a14="http://schemas.microsoft.com/office/drawing/2010/main" w="9525">
                   <a:solidFill>
                     <a:srgbClr val="000000"/>
                   </a:solidFill>
@@ -3919,7 +3920,7 @@
             </a:ln>
             <a:extLst>
               <a:ext uri="{91240B29-F687-4f45-9708-019B960494DF}">
-                <a14:hiddenLine xmlns:a14="http://schemas.microsoft.com/office/drawing/2010/main" xmlns="" w="9525">
+                <a14:hiddenLine xmlns="" xmlns:a14="http://schemas.microsoft.com/office/drawing/2010/main" w="9525">
                   <a:solidFill>
                     <a:srgbClr val="000000"/>
                   </a:solidFill>
@@ -3981,7 +3982,7 @@
             </a:ln>
             <a:extLst>
               <a:ext uri="{91240B29-F687-4f45-9708-019B960494DF}">
-                <a14:hiddenLine xmlns:a14="http://schemas.microsoft.com/office/drawing/2010/main" xmlns="" w="9525">
+                <a14:hiddenLine xmlns="" xmlns:a14="http://schemas.microsoft.com/office/drawing/2010/main" w="9525">
                   <a:solidFill>
                     <a:srgbClr val="000000"/>
                   </a:solidFill>
@@ -4101,7 +4102,7 @@
             </a:ln>
             <a:extLst>
               <a:ext uri="{91240B29-F687-4f45-9708-019B960494DF}">
-                <a14:hiddenLine xmlns:a14="http://schemas.microsoft.com/office/drawing/2010/main" xmlns="" w="9525">
+                <a14:hiddenLine xmlns="" xmlns:a14="http://schemas.microsoft.com/office/drawing/2010/main" w="9525">
                   <a:solidFill>
                     <a:srgbClr val="000000"/>
                   </a:solidFill>
@@ -4169,7 +4170,7 @@
             </a:ln>
             <a:extLst>
               <a:ext uri="{91240B29-F687-4f45-9708-019B960494DF}">
-                <a14:hiddenLine xmlns:a14="http://schemas.microsoft.com/office/drawing/2010/main" xmlns="" w="9525">
+                <a14:hiddenLine xmlns="" xmlns:a14="http://schemas.microsoft.com/office/drawing/2010/main" w="9525">
                   <a:solidFill>
                     <a:srgbClr val="000000"/>
                   </a:solidFill>
@@ -4259,7 +4260,7 @@
             </a:ln>
             <a:extLst>
               <a:ext uri="{91240B29-F687-4f45-9708-019B960494DF}">
-                <a14:hiddenLine xmlns:a14="http://schemas.microsoft.com/office/drawing/2010/main" xmlns="" w="9525">
+                <a14:hiddenLine xmlns="" xmlns:a14="http://schemas.microsoft.com/office/drawing/2010/main" w="9525">
                   <a:solidFill>
                     <a:srgbClr val="000000"/>
                   </a:solidFill>
@@ -4399,7 +4400,7 @@
           <a:p>
             <a:fld id="{846CE7D5-CF57-46EF-B807-FDD0502418D4}" type="datetimeFigureOut">
               <a:rPr lang="en-US" smtClean="0"/>
-              <a:t>4/30/2018</a:t>
+              <a:t>5/1/2018</a:t>
             </a:fld>
             <a:endParaRPr lang="en-US"/>
           </a:p>
@@ -4666,7 +4667,7 @@
           <a:p>
             <a:fld id="{846CE7D5-CF57-46EF-B807-FDD0502418D4}" type="datetimeFigureOut">
               <a:rPr lang="en-US" smtClean="0"/>
-              <a:t>4/30/2018</a:t>
+              <a:t>5/1/2018</a:t>
             </a:fld>
             <a:endParaRPr lang="en-US"/>
           </a:p>
@@ -4862,7 +4863,7 @@
           <a:p>
             <a:fld id="{846CE7D5-CF57-46EF-B807-FDD0502418D4}" type="datetimeFigureOut">
               <a:rPr lang="en-US" smtClean="0"/>
-              <a:t>4/30/2018</a:t>
+              <a:t>5/1/2018</a:t>
             </a:fld>
             <a:endParaRPr lang="en-US"/>
           </a:p>
@@ -5125,7 +5126,7 @@
           <a:p>
             <a:fld id="{846CE7D5-CF57-46EF-B807-FDD0502418D4}" type="datetimeFigureOut">
               <a:rPr lang="en-US" smtClean="0"/>
-              <a:t>4/30/2018</a:t>
+              <a:t>5/1/2018</a:t>
             </a:fld>
             <a:endParaRPr lang="en-US"/>
           </a:p>
@@ -5559,7 +5560,7 @@
           <a:p>
             <a:fld id="{846CE7D5-CF57-46EF-B807-FDD0502418D4}" type="datetimeFigureOut">
               <a:rPr lang="en-US" smtClean="0"/>
-              <a:t>4/30/2018</a:t>
+              <a:t>5/1/2018</a:t>
             </a:fld>
             <a:endParaRPr lang="en-US"/>
           </a:p>
@@ -6105,7 +6106,7 @@
           <a:p>
             <a:fld id="{846CE7D5-CF57-46EF-B807-FDD0502418D4}" type="datetimeFigureOut">
               <a:rPr lang="en-US" smtClean="0"/>
-              <a:t>4/30/2018</a:t>
+              <a:t>5/1/2018</a:t>
             </a:fld>
             <a:endParaRPr lang="en-US"/>
           </a:p>
@@ -6825,7 +6826,7 @@
           <a:p>
             <a:fld id="{846CE7D5-CF57-46EF-B807-FDD0502418D4}" type="datetimeFigureOut">
               <a:rPr lang="en-US" smtClean="0"/>
-              <a:t>4/30/2018</a:t>
+              <a:t>5/1/2018</a:t>
             </a:fld>
             <a:endParaRPr lang="en-US"/>
           </a:p>
@@ -6995,7 +6996,7 @@
           <a:p>
             <a:fld id="{846CE7D5-CF57-46EF-B807-FDD0502418D4}" type="datetimeFigureOut">
               <a:rPr lang="en-US" smtClean="0"/>
-              <a:t>4/30/2018</a:t>
+              <a:t>5/1/2018</a:t>
             </a:fld>
             <a:endParaRPr lang="en-US"/>
           </a:p>
@@ -7175,7 +7176,7 @@
           <a:p>
             <a:fld id="{846CE7D5-CF57-46EF-B807-FDD0502418D4}" type="datetimeFigureOut">
               <a:rPr lang="en-US" smtClean="0"/>
-              <a:t>4/30/2018</a:t>
+              <a:t>5/1/2018</a:t>
             </a:fld>
             <a:endParaRPr lang="en-US"/>
           </a:p>
@@ -7345,7 +7346,7 @@
           <a:p>
             <a:fld id="{846CE7D5-CF57-46EF-B807-FDD0502418D4}" type="datetimeFigureOut">
               <a:rPr lang="en-US" smtClean="0"/>
-              <a:t>4/30/2018</a:t>
+              <a:t>5/1/2018</a:t>
             </a:fld>
             <a:endParaRPr lang="en-US"/>
           </a:p>
@@ -7595,7 +7596,7 @@
           <a:p>
             <a:fld id="{846CE7D5-CF57-46EF-B807-FDD0502418D4}" type="datetimeFigureOut">
               <a:rPr lang="en-US" smtClean="0"/>
-              <a:t>4/30/2018</a:t>
+              <a:t>5/1/2018</a:t>
             </a:fld>
             <a:endParaRPr lang="en-US"/>
           </a:p>
@@ -7827,7 +7828,7 @@
           <a:p>
             <a:fld id="{846CE7D5-CF57-46EF-B807-FDD0502418D4}" type="datetimeFigureOut">
               <a:rPr lang="en-US" smtClean="0"/>
-              <a:t>4/30/2018</a:t>
+              <a:t>5/1/2018</a:t>
             </a:fld>
             <a:endParaRPr lang="en-US"/>
           </a:p>
@@ -8208,7 +8209,7 @@
           <a:p>
             <a:fld id="{846CE7D5-CF57-46EF-B807-FDD0502418D4}" type="datetimeFigureOut">
               <a:rPr lang="en-US" smtClean="0"/>
-              <a:t>4/30/2018</a:t>
+              <a:t>5/1/2018</a:t>
             </a:fld>
             <a:endParaRPr lang="en-US"/>
           </a:p>
@@ -8326,7 +8327,7 @@
           <a:p>
             <a:fld id="{846CE7D5-CF57-46EF-B807-FDD0502418D4}" type="datetimeFigureOut">
               <a:rPr lang="en-US" smtClean="0"/>
-              <a:t>4/30/2018</a:t>
+              <a:t>5/1/2018</a:t>
             </a:fld>
             <a:endParaRPr lang="en-US"/>
           </a:p>
@@ -8421,7 +8422,7 @@
           <a:p>
             <a:fld id="{846CE7D5-CF57-46EF-B807-FDD0502418D4}" type="datetimeFigureOut">
               <a:rPr lang="en-US" smtClean="0"/>
-              <a:t>4/30/2018</a:t>
+              <a:t>5/1/2018</a:t>
             </a:fld>
             <a:endParaRPr lang="en-US"/>
           </a:p>
@@ -8670,7 +8671,7 @@
           <a:p>
             <a:fld id="{846CE7D5-CF57-46EF-B807-FDD0502418D4}" type="datetimeFigureOut">
               <a:rPr lang="en-US" smtClean="0"/>
-              <a:t>4/30/2018</a:t>
+              <a:t>5/1/2018</a:t>
             </a:fld>
             <a:endParaRPr lang="en-US"/>
           </a:p>
@@ -8950,7 +8951,7 @@
           <a:p>
             <a:fld id="{846CE7D5-CF57-46EF-B807-FDD0502418D4}" type="datetimeFigureOut">
               <a:rPr lang="en-US" smtClean="0"/>
-              <a:t>4/30/2018</a:t>
+              <a:t>5/1/2018</a:t>
             </a:fld>
             <a:endParaRPr lang="en-US"/>
           </a:p>
@@ -9066,7 +9067,7 @@
           <a:noFill/>
           <a:extLst>
             <a:ext uri="{909E8E84-426E-40dd-AFC4-6F175D3DCCD1}">
-              <a14:hiddenFill xmlns:a14="http://schemas.microsoft.com/office/drawing/2010/main" xmlns="">
+              <a14:hiddenFill xmlns="" xmlns:a14="http://schemas.microsoft.com/office/drawing/2010/main">
                 <a:solidFill>
                   <a:srgbClr val="FFFFFF"/>
                 </a:solidFill>
@@ -9140,7 +9141,7 @@
               </a:ln>
               <a:extLst>
                 <a:ext uri="{91240B29-F687-4f45-9708-019B960494DF}">
-                  <a14:hiddenLine xmlns:a14="http://schemas.microsoft.com/office/drawing/2010/main" xmlns="" w="9525">
+                  <a14:hiddenLine xmlns="" xmlns:a14="http://schemas.microsoft.com/office/drawing/2010/main" w="9525">
                     <a:solidFill>
                       <a:srgbClr val="000000"/>
                     </a:solidFill>
@@ -9230,7 +9231,7 @@
               </a:ln>
               <a:extLst>
                 <a:ext uri="{91240B29-F687-4f45-9708-019B960494DF}">
-                  <a14:hiddenLine xmlns:a14="http://schemas.microsoft.com/office/drawing/2010/main" xmlns="" w="9525">
+                  <a14:hiddenLine xmlns="" xmlns:a14="http://schemas.microsoft.com/office/drawing/2010/main" w="9525">
                     <a:solidFill>
                       <a:srgbClr val="000000"/>
                     </a:solidFill>
@@ -9320,7 +9321,7 @@
               </a:ln>
               <a:extLst>
                 <a:ext uri="{91240B29-F687-4f45-9708-019B960494DF}">
-                  <a14:hiddenLine xmlns:a14="http://schemas.microsoft.com/office/drawing/2010/main" xmlns="" w="9525">
+                  <a14:hiddenLine xmlns="" xmlns:a14="http://schemas.microsoft.com/office/drawing/2010/main" w="9525">
                     <a:solidFill>
                       <a:srgbClr val="000000"/>
                     </a:solidFill>
@@ -9382,7 +9383,7 @@
               </a:ln>
               <a:extLst>
                 <a:ext uri="{91240B29-F687-4f45-9708-019B960494DF}">
-                  <a14:hiddenLine xmlns:a14="http://schemas.microsoft.com/office/drawing/2010/main" xmlns="" w="9525">
+                  <a14:hiddenLine xmlns="" xmlns:a14="http://schemas.microsoft.com/office/drawing/2010/main" w="9525">
                     <a:solidFill>
                       <a:srgbClr val="000000"/>
                     </a:solidFill>
@@ -9472,7 +9473,7 @@
               </a:ln>
               <a:extLst>
                 <a:ext uri="{91240B29-F687-4f45-9708-019B960494DF}">
-                  <a14:hiddenLine xmlns:a14="http://schemas.microsoft.com/office/drawing/2010/main" xmlns="" w="9525">
+                  <a14:hiddenLine xmlns="" xmlns:a14="http://schemas.microsoft.com/office/drawing/2010/main" w="9525">
                     <a:solidFill>
                       <a:srgbClr val="000000"/>
                     </a:solidFill>
@@ -9534,7 +9535,7 @@
               </a:ln>
               <a:extLst>
                 <a:ext uri="{91240B29-F687-4f45-9708-019B960494DF}">
-                  <a14:hiddenLine xmlns:a14="http://schemas.microsoft.com/office/drawing/2010/main" xmlns="" w="9525">
+                  <a14:hiddenLine xmlns="" xmlns:a14="http://schemas.microsoft.com/office/drawing/2010/main" w="9525">
                     <a:solidFill>
                       <a:srgbClr val="000000"/>
                     </a:solidFill>
@@ -9596,7 +9597,7 @@
               </a:ln>
               <a:extLst>
                 <a:ext uri="{91240B29-F687-4f45-9708-019B960494DF}">
-                  <a14:hiddenLine xmlns:a14="http://schemas.microsoft.com/office/drawing/2010/main" xmlns="" w="9525">
+                  <a14:hiddenLine xmlns="" xmlns:a14="http://schemas.microsoft.com/office/drawing/2010/main" w="9525">
                     <a:solidFill>
                       <a:srgbClr val="000000"/>
                     </a:solidFill>
@@ -9686,7 +9687,7 @@
               </a:ln>
               <a:extLst>
                 <a:ext uri="{91240B29-F687-4f45-9708-019B960494DF}">
-                  <a14:hiddenLine xmlns:a14="http://schemas.microsoft.com/office/drawing/2010/main" xmlns="" w="9525">
+                  <a14:hiddenLine xmlns="" xmlns:a14="http://schemas.microsoft.com/office/drawing/2010/main" w="9525">
                     <a:solidFill>
                       <a:srgbClr val="000000"/>
                     </a:solidFill>
@@ -9776,7 +9777,7 @@
               </a:ln>
               <a:extLst>
                 <a:ext uri="{91240B29-F687-4f45-9708-019B960494DF}">
-                  <a14:hiddenLine xmlns:a14="http://schemas.microsoft.com/office/drawing/2010/main" xmlns="" w="9525">
+                  <a14:hiddenLine xmlns="" xmlns:a14="http://schemas.microsoft.com/office/drawing/2010/main" w="9525">
                     <a:solidFill>
                       <a:srgbClr val="000000"/>
                     </a:solidFill>
@@ -9838,7 +9839,7 @@
               </a:ln>
               <a:extLst>
                 <a:ext uri="{91240B29-F687-4f45-9708-019B960494DF}">
-                  <a14:hiddenLine xmlns:a14="http://schemas.microsoft.com/office/drawing/2010/main" xmlns="" w="9525">
+                  <a14:hiddenLine xmlns="" xmlns:a14="http://schemas.microsoft.com/office/drawing/2010/main" w="9525">
                     <a:solidFill>
                       <a:srgbClr val="000000"/>
                     </a:solidFill>
@@ -9948,7 +9949,7 @@
               </a:ln>
               <a:extLst>
                 <a:ext uri="{91240B29-F687-4f45-9708-019B960494DF}">
-                  <a14:hiddenLine xmlns:a14="http://schemas.microsoft.com/office/drawing/2010/main" xmlns="" w="9525">
+                  <a14:hiddenLine xmlns="" xmlns:a14="http://schemas.microsoft.com/office/drawing/2010/main" w="9525">
                     <a:solidFill>
                       <a:srgbClr val="000000"/>
                     </a:solidFill>
@@ -10032,7 +10033,7 @@
               </a:ln>
               <a:extLst>
                 <a:ext uri="{91240B29-F687-4f45-9708-019B960494DF}">
-                  <a14:hiddenLine xmlns:a14="http://schemas.microsoft.com/office/drawing/2010/main" xmlns="" w="9525">
+                  <a14:hiddenLine xmlns="" xmlns:a14="http://schemas.microsoft.com/office/drawing/2010/main" w="9525">
                     <a:solidFill>
                       <a:srgbClr val="000000"/>
                     </a:solidFill>
@@ -10094,7 +10095,7 @@
               </a:ln>
               <a:extLst>
                 <a:ext uri="{91240B29-F687-4f45-9708-019B960494DF}">
-                  <a14:hiddenLine xmlns:a14="http://schemas.microsoft.com/office/drawing/2010/main" xmlns="" w="9525">
+                  <a14:hiddenLine xmlns="" xmlns:a14="http://schemas.microsoft.com/office/drawing/2010/main" w="9525">
                     <a:solidFill>
                       <a:srgbClr val="000000"/>
                     </a:solidFill>
@@ -10156,7 +10157,7 @@
               </a:ln>
               <a:extLst>
                 <a:ext uri="{91240B29-F687-4f45-9708-019B960494DF}">
-                  <a14:hiddenLine xmlns:a14="http://schemas.microsoft.com/office/drawing/2010/main" xmlns="" w="9525">
+                  <a14:hiddenLine xmlns="" xmlns:a14="http://schemas.microsoft.com/office/drawing/2010/main" w="9525">
                     <a:solidFill>
                       <a:srgbClr val="000000"/>
                     </a:solidFill>
@@ -10246,7 +10247,7 @@
               </a:ln>
               <a:extLst>
                 <a:ext uri="{91240B29-F687-4f45-9708-019B960494DF}">
-                  <a14:hiddenLine xmlns:a14="http://schemas.microsoft.com/office/drawing/2010/main" xmlns="" w="9525">
+                  <a14:hiddenLine xmlns="" xmlns:a14="http://schemas.microsoft.com/office/drawing/2010/main" w="9525">
                     <a:solidFill>
                       <a:srgbClr val="000000"/>
                     </a:solidFill>
@@ -10280,7 +10281,7 @@
               </a:ln>
               <a:extLst>
                 <a:ext uri="{91240B29-F687-4f45-9708-019B960494DF}">
-                  <a14:hiddenLine xmlns:a14="http://schemas.microsoft.com/office/drawing/2010/main" xmlns="" w="9525">
+                  <a14:hiddenLine xmlns="" xmlns:a14="http://schemas.microsoft.com/office/drawing/2010/main" w="9525">
                     <a:solidFill>
                       <a:srgbClr val="000000"/>
                     </a:solidFill>
@@ -10345,7 +10346,7 @@
               </a:ln>
               <a:extLst>
                 <a:ext uri="{91240B29-F687-4f45-9708-019B960494DF}">
-                  <a14:hiddenLine xmlns:a14="http://schemas.microsoft.com/office/drawing/2010/main" xmlns="" w="9525">
+                  <a14:hiddenLine xmlns="" xmlns:a14="http://schemas.microsoft.com/office/drawing/2010/main" w="9525">
                     <a:solidFill>
                       <a:srgbClr val="000000"/>
                     </a:solidFill>
@@ -10435,7 +10436,7 @@
               </a:ln>
               <a:extLst>
                 <a:ext uri="{91240B29-F687-4f45-9708-019B960494DF}">
-                  <a14:hiddenLine xmlns:a14="http://schemas.microsoft.com/office/drawing/2010/main" xmlns="" w="9525">
+                  <a14:hiddenLine xmlns="" xmlns:a14="http://schemas.microsoft.com/office/drawing/2010/main" w="9525">
                     <a:solidFill>
                       <a:srgbClr val="000000"/>
                     </a:solidFill>
@@ -10497,7 +10498,7 @@
               </a:ln>
               <a:extLst>
                 <a:ext uri="{91240B29-F687-4f45-9708-019B960494DF}">
-                  <a14:hiddenLine xmlns:a14="http://schemas.microsoft.com/office/drawing/2010/main" xmlns="" w="9525">
+                  <a14:hiddenLine xmlns="" xmlns:a14="http://schemas.microsoft.com/office/drawing/2010/main" w="9525">
                     <a:solidFill>
                       <a:srgbClr val="000000"/>
                     </a:solidFill>
@@ -10587,7 +10588,7 @@
               </a:ln>
               <a:extLst>
                 <a:ext uri="{91240B29-F687-4f45-9708-019B960494DF}">
-                  <a14:hiddenLine xmlns:a14="http://schemas.microsoft.com/office/drawing/2010/main" xmlns="" w="9525">
+                  <a14:hiddenLine xmlns="" xmlns:a14="http://schemas.microsoft.com/office/drawing/2010/main" w="9525">
                     <a:solidFill>
                       <a:srgbClr val="000000"/>
                     </a:solidFill>
@@ -10652,7 +10653,7 @@
               </a:ln>
               <a:extLst>
                 <a:ext uri="{91240B29-F687-4f45-9708-019B960494DF}">
-                  <a14:hiddenLine xmlns:a14="http://schemas.microsoft.com/office/drawing/2010/main" xmlns="" w="9525">
+                  <a14:hiddenLine xmlns="" xmlns:a14="http://schemas.microsoft.com/office/drawing/2010/main" w="9525">
                     <a:solidFill>
                       <a:srgbClr val="000000"/>
                     </a:solidFill>
@@ -10714,7 +10715,7 @@
               </a:ln>
               <a:extLst>
                 <a:ext uri="{91240B29-F687-4f45-9708-019B960494DF}">
-                  <a14:hiddenLine xmlns:a14="http://schemas.microsoft.com/office/drawing/2010/main" xmlns="" w="9525">
+                  <a14:hiddenLine xmlns="" xmlns:a14="http://schemas.microsoft.com/office/drawing/2010/main" w="9525">
                     <a:solidFill>
                       <a:srgbClr val="000000"/>
                     </a:solidFill>
@@ -10804,7 +10805,7 @@
               </a:ln>
               <a:extLst>
                 <a:ext uri="{91240B29-F687-4f45-9708-019B960494DF}">
-                  <a14:hiddenLine xmlns:a14="http://schemas.microsoft.com/office/drawing/2010/main" xmlns="" w="9525">
+                  <a14:hiddenLine xmlns="" xmlns:a14="http://schemas.microsoft.com/office/drawing/2010/main" w="9525">
                     <a:solidFill>
                       <a:srgbClr val="000000"/>
                     </a:solidFill>
@@ -10894,7 +10895,7 @@
               </a:ln>
               <a:extLst>
                 <a:ext uri="{91240B29-F687-4f45-9708-019B960494DF}">
-                  <a14:hiddenLine xmlns:a14="http://schemas.microsoft.com/office/drawing/2010/main" xmlns="" w="9525">
+                  <a14:hiddenLine xmlns="" xmlns:a14="http://schemas.microsoft.com/office/drawing/2010/main" w="9525">
                     <a:solidFill>
                       <a:srgbClr val="000000"/>
                     </a:solidFill>
@@ -10959,7 +10960,7 @@
               </a:ln>
               <a:extLst>
                 <a:ext uri="{91240B29-F687-4f45-9708-019B960494DF}">
-                  <a14:hiddenLine xmlns:a14="http://schemas.microsoft.com/office/drawing/2010/main" xmlns="" w="9525">
+                  <a14:hiddenLine xmlns="" xmlns:a14="http://schemas.microsoft.com/office/drawing/2010/main" w="9525">
                     <a:solidFill>
                       <a:srgbClr val="000000"/>
                     </a:solidFill>
@@ -11079,7 +11080,7 @@
               </a:ln>
               <a:extLst>
                 <a:ext uri="{91240B29-F687-4f45-9708-019B960494DF}">
-                  <a14:hiddenLine xmlns:a14="http://schemas.microsoft.com/office/drawing/2010/main" xmlns="" w="9525">
+                  <a14:hiddenLine xmlns="" xmlns:a14="http://schemas.microsoft.com/office/drawing/2010/main" w="9525">
                     <a:solidFill>
                       <a:srgbClr val="000000"/>
                     </a:solidFill>
@@ -11177,7 +11178,7 @@
               </a:ln>
               <a:extLst>
                 <a:ext uri="{91240B29-F687-4f45-9708-019B960494DF}">
-                  <a14:hiddenLine xmlns:a14="http://schemas.microsoft.com/office/drawing/2010/main" xmlns="" w="9525">
+                  <a14:hiddenLine xmlns="" xmlns:a14="http://schemas.microsoft.com/office/drawing/2010/main" w="9525">
                     <a:solidFill>
                       <a:srgbClr val="000000"/>
                     </a:solidFill>
@@ -11292,7 +11293,7 @@
               </a:ln>
               <a:extLst>
                 <a:ext uri="{91240B29-F687-4f45-9708-019B960494DF}">
-                  <a14:hiddenLine xmlns:a14="http://schemas.microsoft.com/office/drawing/2010/main" xmlns="" w="9525">
+                  <a14:hiddenLine xmlns="" xmlns:a14="http://schemas.microsoft.com/office/drawing/2010/main" w="9525">
                     <a:solidFill>
                       <a:srgbClr val="000000"/>
                     </a:solidFill>
@@ -11382,7 +11383,7 @@
               </a:ln>
               <a:extLst>
                 <a:ext uri="{91240B29-F687-4f45-9708-019B960494DF}">
-                  <a14:hiddenLine xmlns:a14="http://schemas.microsoft.com/office/drawing/2010/main" xmlns="" w="9525">
+                  <a14:hiddenLine xmlns="" xmlns:a14="http://schemas.microsoft.com/office/drawing/2010/main" w="9525">
                     <a:solidFill>
                       <a:srgbClr val="000000"/>
                     </a:solidFill>
@@ -11447,7 +11448,7 @@
               </a:ln>
               <a:extLst>
                 <a:ext uri="{91240B29-F687-4f45-9708-019B960494DF}">
-                  <a14:hiddenLine xmlns:a14="http://schemas.microsoft.com/office/drawing/2010/main" xmlns="" w="9525">
+                  <a14:hiddenLine xmlns="" xmlns:a14="http://schemas.microsoft.com/office/drawing/2010/main" w="9525">
                     <a:solidFill>
                       <a:srgbClr val="000000"/>
                     </a:solidFill>
@@ -11537,7 +11538,7 @@
               </a:ln>
               <a:extLst>
                 <a:ext uri="{91240B29-F687-4f45-9708-019B960494DF}">
-                  <a14:hiddenLine xmlns:a14="http://schemas.microsoft.com/office/drawing/2010/main" xmlns="" w="9525">
+                  <a14:hiddenLine xmlns="" xmlns:a14="http://schemas.microsoft.com/office/drawing/2010/main" w="9525">
                     <a:solidFill>
                       <a:srgbClr val="000000"/>
                     </a:solidFill>
@@ -11605,7 +11606,7 @@
               </a:ln>
               <a:extLst>
                 <a:ext uri="{91240B29-F687-4f45-9708-019B960494DF}">
-                  <a14:hiddenLine xmlns:a14="http://schemas.microsoft.com/office/drawing/2010/main" xmlns="" w="9525">
+                  <a14:hiddenLine xmlns="" xmlns:a14="http://schemas.microsoft.com/office/drawing/2010/main" w="9525">
                     <a:solidFill>
                       <a:srgbClr val="000000"/>
                     </a:solidFill>
@@ -11695,7 +11696,7 @@
               </a:ln>
               <a:extLst>
                 <a:ext uri="{91240B29-F687-4f45-9708-019B960494DF}">
-                  <a14:hiddenLine xmlns:a14="http://schemas.microsoft.com/office/drawing/2010/main" xmlns="" w="9525">
+                  <a14:hiddenLine xmlns="" xmlns:a14="http://schemas.microsoft.com/office/drawing/2010/main" w="9525">
                     <a:solidFill>
                       <a:srgbClr val="000000"/>
                     </a:solidFill>
@@ -11763,7 +11764,7 @@
               </a:ln>
               <a:extLst>
                 <a:ext uri="{91240B29-F687-4f45-9708-019B960494DF}">
-                  <a14:hiddenLine xmlns:a14="http://schemas.microsoft.com/office/drawing/2010/main" xmlns="" w="9525">
+                  <a14:hiddenLine xmlns="" xmlns:a14="http://schemas.microsoft.com/office/drawing/2010/main" w="9525">
                     <a:solidFill>
                       <a:srgbClr val="000000"/>
                     </a:solidFill>
@@ -11853,7 +11854,7 @@
               </a:ln>
               <a:extLst>
                 <a:ext uri="{91240B29-F687-4f45-9708-019B960494DF}">
-                  <a14:hiddenLine xmlns:a14="http://schemas.microsoft.com/office/drawing/2010/main" xmlns="" w="9525">
+                  <a14:hiddenLine xmlns="" xmlns:a14="http://schemas.microsoft.com/office/drawing/2010/main" w="9525">
                     <a:solidFill>
                       <a:srgbClr val="000000"/>
                     </a:solidFill>
@@ -11887,7 +11888,7 @@
               </a:ln>
               <a:extLst>
                 <a:ext uri="{91240B29-F687-4f45-9708-019B960494DF}">
-                  <a14:hiddenLine xmlns:a14="http://schemas.microsoft.com/office/drawing/2010/main" xmlns="" w="9525">
+                  <a14:hiddenLine xmlns="" xmlns:a14="http://schemas.microsoft.com/office/drawing/2010/main" w="9525">
                     <a:solidFill>
                       <a:srgbClr val="000000"/>
                     </a:solidFill>
@@ -12027,7 +12028,7 @@
           <a:p>
             <a:fld id="{846CE7D5-CF57-46EF-B807-FDD0502418D4}" type="datetimeFigureOut">
               <a:rPr lang="en-US" smtClean="0"/>
-              <a:t>4/30/2018</a:t>
+              <a:t>5/1/2018</a:t>
             </a:fld>
             <a:endParaRPr lang="en-US"/>
           </a:p>
@@ -12672,7 +12673,7 @@
           <p:cNvPr id="2" name="TextBox 1">
             <a:extLst>
               <a:ext uri="{FF2B5EF4-FFF2-40B4-BE49-F238E27FC236}">
-                <a16:creationId xmlns="" xmlns:a16="http://schemas.microsoft.com/office/drawing/2014/main" id="{1D9C32A4-AC66-43E9-90C9-A0994F0AEC90}"/>
+                <a16:creationId xmlns:a16="http://schemas.microsoft.com/office/drawing/2014/main" xmlns="" id="{1D9C32A4-AC66-43E9-90C9-A0994F0AEC90}"/>
               </a:ext>
             </a:extLst>
           </p:cNvPr>
@@ -12716,7 +12717,7 @@
             <a:pPr algn="ctr"/>
             <a:r>
               <a:rPr lang="en-US" sz="2800" b="1" dirty="0" smtClean="0"/>
-              <a:t>WWW of our Project</a:t>
+              <a:t>Acknowledgement</a:t>
             </a:r>
             <a:endParaRPr lang="en-US" sz="2800" b="1" dirty="0"/>
           </a:p>
@@ -12727,7 +12728,284 @@
           <p:cNvPr id="3" name="TextBox 2">
             <a:extLst>
               <a:ext uri="{FF2B5EF4-FFF2-40B4-BE49-F238E27FC236}">
-                <a16:creationId xmlns="" xmlns:a16="http://schemas.microsoft.com/office/drawing/2014/main" id="{722284D3-9D39-4BB1-A7CC-3EE2333811BE}"/>
+                <a16:creationId xmlns:a16="http://schemas.microsoft.com/office/drawing/2014/main" xmlns="" id="{722284D3-9D39-4BB1-A7CC-3EE2333811BE}"/>
+              </a:ext>
+            </a:extLst>
+          </p:cNvPr>
+          <p:cNvSpPr txBox="1"/>
+          <p:nvPr/>
+        </p:nvSpPr>
+        <p:spPr>
+          <a:xfrm>
+            <a:off x="939800" y="1743075"/>
+            <a:ext cx="8508999" cy="1569660"/>
+          </a:xfrm>
+          <a:prstGeom prst="rect">
+            <a:avLst/>
+          </a:prstGeom>
+        </p:spPr>
+        <p:txBody>
+          <a:bodyPr rot="0" spcFirstLastPara="0" vertOverflow="overflow" horzOverflow="overflow" vert="horz" wrap="square" lIns="91440" tIns="45720" rIns="91440" bIns="45720" numCol="1" spcCol="0" rtlCol="0" fromWordArt="0" anchor="t" anchorCtr="0" forceAA="0" compatLnSpc="1">
+            <a:prstTxWarp prst="textNoShape">
+              <a:avLst/>
+            </a:prstTxWarp>
+            <a:spAutoFit/>
+          </a:bodyPr>
+          <a:lstStyle/>
+          <a:p>
+            <a:r>
+              <a:rPr lang="en-US" sz="2400" b="1" dirty="0" smtClean="0">
+                <a:solidFill>
+                  <a:srgbClr val="7030A0"/>
+                </a:solidFill>
+                <a:latin typeface="Calibri"/>
+              </a:rPr>
+              <a:t>The </a:t>
+            </a:r>
+            <a:r>
+              <a:rPr lang="en-US" sz="2400" b="1" dirty="0">
+                <a:solidFill>
+                  <a:srgbClr val="7030A0"/>
+                </a:solidFill>
+                <a:latin typeface="Calibri"/>
+              </a:rPr>
+              <a:t>work has been completed under the guidance of Dr. </a:t>
+            </a:r>
+            <a:r>
+              <a:rPr lang="en-US" sz="2400" b="1" dirty="0" err="1">
+                <a:solidFill>
+                  <a:srgbClr val="7030A0"/>
+                </a:solidFill>
+                <a:latin typeface="Calibri"/>
+              </a:rPr>
+              <a:t>Yugi</a:t>
+            </a:r>
+            <a:r>
+              <a:rPr lang="en-US" sz="2400" b="1" dirty="0">
+                <a:solidFill>
+                  <a:srgbClr val="7030A0"/>
+                </a:solidFill>
+                <a:latin typeface="Calibri"/>
+              </a:rPr>
+              <a:t> Lee and TAs (</a:t>
+            </a:r>
+            <a:r>
+              <a:rPr lang="en-US" sz="2400" b="1" dirty="0" err="1">
+                <a:solidFill>
+                  <a:srgbClr val="7030A0"/>
+                </a:solidFill>
+                <a:latin typeface="Calibri"/>
+              </a:rPr>
+              <a:t>Rohith</a:t>
+            </a:r>
+            <a:r>
+              <a:rPr lang="en-US" sz="2400" b="1" dirty="0">
+                <a:solidFill>
+                  <a:srgbClr val="7030A0"/>
+                </a:solidFill>
+                <a:latin typeface="Calibri"/>
+              </a:rPr>
+              <a:t> </a:t>
+            </a:r>
+            <a:r>
+              <a:rPr lang="en-US" sz="2400" b="1" dirty="0" err="1">
+                <a:solidFill>
+                  <a:srgbClr val="7030A0"/>
+                </a:solidFill>
+                <a:latin typeface="Calibri"/>
+              </a:rPr>
+              <a:t>Nagulapati</a:t>
+            </a:r>
+            <a:r>
+              <a:rPr lang="en-US" sz="2400" b="1" dirty="0">
+                <a:solidFill>
+                  <a:srgbClr val="7030A0"/>
+                </a:solidFill>
+                <a:latin typeface="Calibri"/>
+              </a:rPr>
+              <a:t>, </a:t>
+            </a:r>
+            <a:r>
+              <a:rPr lang="en-US" sz="2400" b="1" dirty="0" err="1">
+                <a:solidFill>
+                  <a:srgbClr val="7030A0"/>
+                </a:solidFill>
+                <a:latin typeface="Calibri"/>
+              </a:rPr>
+              <a:t>Sidrah</a:t>
+            </a:r>
+            <a:r>
+              <a:rPr lang="en-US" sz="2400" b="1" dirty="0">
+                <a:solidFill>
+                  <a:srgbClr val="7030A0"/>
+                </a:solidFill>
+                <a:latin typeface="Calibri"/>
+              </a:rPr>
+              <a:t> </a:t>
+            </a:r>
+            <a:r>
+              <a:rPr lang="en-US" sz="2400" b="1" dirty="0" err="1">
+                <a:solidFill>
+                  <a:srgbClr val="7030A0"/>
+                </a:solidFill>
+                <a:latin typeface="Calibri"/>
+              </a:rPr>
+              <a:t>Junaid</a:t>
+            </a:r>
+            <a:r>
+              <a:rPr lang="en-US" sz="2400" b="1" dirty="0">
+                <a:solidFill>
+                  <a:srgbClr val="7030A0"/>
+                </a:solidFill>
+                <a:latin typeface="Calibri"/>
+              </a:rPr>
+              <a:t>, </a:t>
+            </a:r>
+            <a:r>
+              <a:rPr lang="en-US" sz="2400" b="1" dirty="0" err="1">
+                <a:solidFill>
+                  <a:srgbClr val="7030A0"/>
+                </a:solidFill>
+                <a:latin typeface="Calibri"/>
+              </a:rPr>
+              <a:t>Nageswara</a:t>
+            </a:r>
+            <a:r>
+              <a:rPr lang="en-US" sz="2400" b="1" dirty="0">
+                <a:solidFill>
+                  <a:srgbClr val="7030A0"/>
+                </a:solidFill>
+                <a:latin typeface="Calibri"/>
+              </a:rPr>
+              <a:t> </a:t>
+            </a:r>
+            <a:r>
+              <a:rPr lang="en-US" sz="2400" b="1" dirty="0" err="1">
+                <a:solidFill>
+                  <a:srgbClr val="7030A0"/>
+                </a:solidFill>
+                <a:latin typeface="Calibri"/>
+              </a:rPr>
+              <a:t>Nandigam</a:t>
+            </a:r>
+            <a:r>
+              <a:rPr lang="en-US" sz="2400" b="1" dirty="0">
+                <a:solidFill>
+                  <a:srgbClr val="7030A0"/>
+                </a:solidFill>
+                <a:latin typeface="Calibri"/>
+              </a:rPr>
+              <a:t>) in CS5551 Advanced Software Engineering, University of Missouri - Kansas City), Spring 2018</a:t>
+            </a:r>
+            <a:r>
+              <a:rPr lang="en-US" sz="2400" b="1" dirty="0" smtClean="0">
+                <a:solidFill>
+                  <a:srgbClr val="7030A0"/>
+                </a:solidFill>
+                <a:latin typeface="Calibri"/>
+              </a:rPr>
+              <a:t>.</a:t>
+            </a:r>
+            <a:endParaRPr lang="en-US" sz="2400" b="1" dirty="0">
+              <a:solidFill>
+                <a:srgbClr val="7030A0"/>
+              </a:solidFill>
+              <a:latin typeface="Calibri"/>
+            </a:endParaRPr>
+          </a:p>
+        </p:txBody>
+      </p:sp>
+    </p:spTree>
+    <p:extLst>
+      <p:ext uri="{BB962C8B-B14F-4D97-AF65-F5344CB8AC3E}">
+        <p14:creationId xmlns:p14="http://schemas.microsoft.com/office/powerpoint/2010/main" val="3611104485"/>
+      </p:ext>
+    </p:extLst>
+  </p:cSld>
+  <p:clrMapOvr>
+    <a:masterClrMapping/>
+  </p:clrMapOvr>
+</p:sld>
+</file>
+
+<file path=ppt/slides/slide3.xml><?xml version="1.0" encoding="utf-8"?>
+<p:sld xmlns:a="http://schemas.openxmlformats.org/drawingml/2006/main" xmlns:r="http://schemas.openxmlformats.org/officeDocument/2006/relationships" xmlns:p="http://schemas.openxmlformats.org/presentationml/2006/main">
+  <p:cSld>
+    <p:spTree>
+      <p:nvGrpSpPr>
+        <p:cNvPr id="1" name=""/>
+        <p:cNvGrpSpPr/>
+        <p:nvPr/>
+      </p:nvGrpSpPr>
+      <p:grpSpPr>
+        <a:xfrm>
+          <a:off x="0" y="0"/>
+          <a:ext cx="0" cy="0"/>
+          <a:chOff x="0" y="0"/>
+          <a:chExt cx="0" cy="0"/>
+        </a:xfrm>
+      </p:grpSpPr>
+      <p:sp>
+        <p:nvSpPr>
+          <p:cNvPr id="2" name="TextBox 1">
+            <a:extLst>
+              <a:ext uri="{FF2B5EF4-FFF2-40B4-BE49-F238E27FC236}">
+                <a16:creationId xmlns:a16="http://schemas.microsoft.com/office/drawing/2014/main" xmlns="" id="{1D9C32A4-AC66-43E9-90C9-A0994F0AEC90}"/>
+              </a:ext>
+            </a:extLst>
+          </p:cNvPr>
+          <p:cNvSpPr txBox="1"/>
+          <p:nvPr/>
+        </p:nvSpPr>
+        <p:spPr>
+          <a:xfrm>
+            <a:off x="665163" y="390525"/>
+            <a:ext cx="8685212" cy="523220"/>
+          </a:xfrm>
+          <a:prstGeom prst="rect">
+            <a:avLst/>
+          </a:prstGeom>
+        </p:spPr>
+        <p:style>
+          <a:lnRef idx="2">
+            <a:schemeClr val="accent1">
+              <a:shade val="50000"/>
+            </a:schemeClr>
+          </a:lnRef>
+          <a:fillRef idx="1">
+            <a:schemeClr val="accent1"/>
+          </a:fillRef>
+          <a:effectRef idx="0">
+            <a:schemeClr val="accent1"/>
+          </a:effectRef>
+          <a:fontRef idx="minor">
+            <a:schemeClr val="lt1"/>
+          </a:fontRef>
+        </p:style>
+        <p:txBody>
+          <a:bodyPr rot="0" spcFirstLastPara="0" vertOverflow="overflow" horzOverflow="overflow" vert="horz" wrap="square" lIns="91440" tIns="45720" rIns="91440" bIns="45720" numCol="1" spcCol="0" rtlCol="0" fromWordArt="0" anchor="t" anchorCtr="0" forceAA="0" compatLnSpc="1">
+            <a:prstTxWarp prst="textNoShape">
+              <a:avLst/>
+            </a:prstTxWarp>
+            <a:spAutoFit/>
+          </a:bodyPr>
+          <a:lstStyle/>
+          <a:p>
+            <a:pPr algn="ctr"/>
+            <a:r>
+              <a:rPr lang="en-US" sz="2800" b="1" dirty="0" smtClean="0"/>
+              <a:t>WWW of our Project</a:t>
+            </a:r>
+            <a:endParaRPr lang="en-US" sz="2800" b="1" dirty="0"/>
+          </a:p>
+        </p:txBody>
+      </p:sp>
+      <p:sp>
+        <p:nvSpPr>
+          <p:cNvPr id="3" name="TextBox 2">
+            <a:extLst>
+              <a:ext uri="{FF2B5EF4-FFF2-40B4-BE49-F238E27FC236}">
+                <a16:creationId xmlns:a16="http://schemas.microsoft.com/office/drawing/2014/main" xmlns="" id="{722284D3-9D39-4BB1-A7CC-3EE2333811BE}"/>
               </a:ext>
             </a:extLst>
           </p:cNvPr>
@@ -12816,7 +13094,7 @@
           <p:cNvPr id="4" name="TextBox 3">
             <a:extLst>
               <a:ext uri="{FF2B5EF4-FFF2-40B4-BE49-F238E27FC236}">
-                <a16:creationId xmlns="" xmlns:a16="http://schemas.microsoft.com/office/drawing/2014/main" id="{722284D3-9D39-4BB1-A7CC-3EE2333811BE}"/>
+                <a16:creationId xmlns:a16="http://schemas.microsoft.com/office/drawing/2014/main" xmlns="" id="{722284D3-9D39-4BB1-A7CC-3EE2333811BE}"/>
               </a:ext>
             </a:extLst>
           </p:cNvPr>
@@ -12917,7 +13195,7 @@
           <p:cNvPr id="5" name="TextBox 4">
             <a:extLst>
               <a:ext uri="{FF2B5EF4-FFF2-40B4-BE49-F238E27FC236}">
-                <a16:creationId xmlns="" xmlns:a16="http://schemas.microsoft.com/office/drawing/2014/main" id="{722284D3-9D39-4BB1-A7CC-3EE2333811BE}"/>
+                <a16:creationId xmlns:a16="http://schemas.microsoft.com/office/drawing/2014/main" xmlns="" id="{722284D3-9D39-4BB1-A7CC-3EE2333811BE}"/>
               </a:ext>
             </a:extLst>
           </p:cNvPr>
@@ -12998,7 +13276,7 @@
 </p:sld>
 </file>
 
-<file path=ppt/slides/slide3.xml><?xml version="1.0" encoding="utf-8"?>
+<file path=ppt/slides/slide4.xml><?xml version="1.0" encoding="utf-8"?>
 <p:sld xmlns:a="http://schemas.openxmlformats.org/drawingml/2006/main" xmlns:r="http://schemas.openxmlformats.org/officeDocument/2006/relationships" xmlns:p="http://schemas.openxmlformats.org/presentationml/2006/main">
   <p:cSld>
     <p:spTree>
@@ -13261,7 +13539,7 @@
 </p:sld>
 </file>
 
-<file path=ppt/slides/slide4.xml><?xml version="1.0" encoding="utf-8"?>
+<file path=ppt/slides/slide5.xml><?xml version="1.0" encoding="utf-8"?>
 <p:sld xmlns:a="http://schemas.openxmlformats.org/drawingml/2006/main" xmlns:r="http://schemas.openxmlformats.org/officeDocument/2006/relationships" xmlns:p="http://schemas.openxmlformats.org/presentationml/2006/main">
   <p:cSld>
     <p:spTree>
@@ -13283,7 +13561,7 @@
           <p:cNvPr id="3" name="TextBox 2">
             <a:extLst>
               <a:ext uri="{FF2B5EF4-FFF2-40B4-BE49-F238E27FC236}">
-                <a16:creationId xmlns="" xmlns:a16="http://schemas.microsoft.com/office/drawing/2014/main" id="{722284D3-9D39-4BB1-A7CC-3EE2333811BE}"/>
+                <a16:creationId xmlns:a16="http://schemas.microsoft.com/office/drawing/2014/main" xmlns="" id="{722284D3-9D39-4BB1-A7CC-3EE2333811BE}"/>
               </a:ext>
             </a:extLst>
           </p:cNvPr>
@@ -13565,7 +13843,7 @@
 </p:sld>
 </file>
 
-<file path=ppt/slides/slide5.xml><?xml version="1.0" encoding="utf-8"?>
+<file path=ppt/slides/slide6.xml><?xml version="1.0" encoding="utf-8"?>
 <p:sld xmlns:a="http://schemas.openxmlformats.org/drawingml/2006/main" xmlns:r="http://schemas.openxmlformats.org/officeDocument/2006/relationships" xmlns:p="http://schemas.openxmlformats.org/presentationml/2006/main">
   <p:cSld>
     <p:spTree>
@@ -13587,7 +13865,7 @@
           <p:cNvPr id="2" name="TextBox 1">
             <a:extLst>
               <a:ext uri="{FF2B5EF4-FFF2-40B4-BE49-F238E27FC236}">
-                <a16:creationId xmlns="" xmlns:a16="http://schemas.microsoft.com/office/drawing/2014/main" id="{1D9C32A4-AC66-43E9-90C9-A0994F0AEC90}"/>
+                <a16:creationId xmlns:a16="http://schemas.microsoft.com/office/drawing/2014/main" xmlns="" id="{1D9C32A4-AC66-43E9-90C9-A0994F0AEC90}"/>
               </a:ext>
             </a:extLst>
           </p:cNvPr>
@@ -13680,7 +13958,7 @@
 </p:sld>
 </file>
 
-<file path=ppt/slides/slide6.xml><?xml version="1.0" encoding="utf-8"?>
+<file path=ppt/slides/slide7.xml><?xml version="1.0" encoding="utf-8"?>
 <p:sld xmlns:a="http://schemas.openxmlformats.org/drawingml/2006/main" xmlns:r="http://schemas.openxmlformats.org/officeDocument/2006/relationships" xmlns:p="http://schemas.openxmlformats.org/presentationml/2006/main">
   <p:cSld>
     <p:spTree>
@@ -13702,7 +13980,7 @@
           <p:cNvPr id="2" name="TextBox 1">
             <a:extLst>
               <a:ext uri="{FF2B5EF4-FFF2-40B4-BE49-F238E27FC236}">
-                <a16:creationId xmlns="" xmlns:a16="http://schemas.microsoft.com/office/drawing/2014/main" id="{1D9C32A4-AC66-43E9-90C9-A0994F0AEC90}"/>
+                <a16:creationId xmlns:a16="http://schemas.microsoft.com/office/drawing/2014/main" xmlns="" id="{1D9C32A4-AC66-43E9-90C9-A0994F0AEC90}"/>
               </a:ext>
             </a:extLst>
           </p:cNvPr>
@@ -13848,7 +14126,7 @@
 </p:sld>
 </file>
 
-<file path=ppt/slides/slide7.xml><?xml version="1.0" encoding="utf-8"?>
+<file path=ppt/slides/slide8.xml><?xml version="1.0" encoding="utf-8"?>
 <p:sld xmlns:a="http://schemas.openxmlformats.org/drawingml/2006/main" xmlns:r="http://schemas.openxmlformats.org/officeDocument/2006/relationships" xmlns:p="http://schemas.openxmlformats.org/presentationml/2006/main">
   <p:cSld>
     <p:spTree>
@@ -13870,7 +14148,7 @@
           <p:cNvPr id="2" name="TextBox 1">
             <a:extLst>
               <a:ext uri="{FF2B5EF4-FFF2-40B4-BE49-F238E27FC236}">
-                <a16:creationId xmlns="" xmlns:a16="http://schemas.microsoft.com/office/drawing/2014/main" id="{1D9C32A4-AC66-43E9-90C9-A0994F0AEC90}"/>
+                <a16:creationId xmlns:a16="http://schemas.microsoft.com/office/drawing/2014/main" xmlns="" id="{1D9C32A4-AC66-43E9-90C9-A0994F0AEC90}"/>
               </a:ext>
             </a:extLst>
           </p:cNvPr>
@@ -13925,7 +14203,7 @@
           <p:cNvPr id="3" name="TextBox 2">
             <a:extLst>
               <a:ext uri="{FF2B5EF4-FFF2-40B4-BE49-F238E27FC236}">
-                <a16:creationId xmlns="" xmlns:a16="http://schemas.microsoft.com/office/drawing/2014/main" id="{722284D3-9D39-4BB1-A7CC-3EE2333811BE}"/>
+                <a16:creationId xmlns:a16="http://schemas.microsoft.com/office/drawing/2014/main" xmlns="" id="{722284D3-9D39-4BB1-A7CC-3EE2333811BE}"/>
               </a:ext>
             </a:extLst>
           </p:cNvPr>
@@ -13986,7 +14264,7 @@
 </p:sld>
 </file>
 
-<file path=ppt/slides/slide8.xml><?xml version="1.0" encoding="utf-8"?>
+<file path=ppt/slides/slide9.xml><?xml version="1.0" encoding="utf-8"?>
 <p:sld xmlns:a="http://schemas.openxmlformats.org/drawingml/2006/main" xmlns:r="http://schemas.openxmlformats.org/officeDocument/2006/relationships" xmlns:p="http://schemas.openxmlformats.org/presentationml/2006/main">
   <p:cSld>
     <p:spTree>
